--- a/docs/Snapshot Diagram.pptx
+++ b/docs/Snapshot Diagram.pptx
@@ -3213,64 +3213,6 @@
       </p:sp>
       <p:sp>
         <p:nvSpPr>
-          <p:cNvPr id="9" name="Rounded Rectangle 8"/>
-          <p:cNvSpPr/>
-          <p:nvPr/>
-        </p:nvSpPr>
-        <p:spPr>
-          <a:xfrm>
-            <a:off x="1155854" y="4526619"/>
-            <a:ext cx="1116997" cy="613038"/>
-          </a:xfrm>
-          <a:prstGeom prst="roundRect">
-            <a:avLst/>
-          </a:prstGeom>
-          <a:solidFill>
-            <a:srgbClr val="FFFFFF"/>
-          </a:solidFill>
-          <a:ln/>
-        </p:spPr>
-        <p:style>
-          <a:lnRef idx="1">
-            <a:schemeClr val="accent1"/>
-          </a:lnRef>
-          <a:fillRef idx="3">
-            <a:schemeClr val="accent1"/>
-          </a:fillRef>
-          <a:effectRef idx="2">
-            <a:schemeClr val="accent1"/>
-          </a:effectRef>
-          <a:fontRef idx="minor">
-            <a:schemeClr val="lt1"/>
-          </a:fontRef>
-        </p:style>
-        <p:txBody>
-          <a:bodyPr/>
-          <a:lstStyle/>
-          <a:p>
-            <a:pPr algn="ctr"/>
-            <a:r>
-              <a:rPr lang="en-US" sz="2000" dirty="0" smtClean="0">
-                <a:solidFill>
-                  <a:schemeClr val="tx1"/>
-                </a:solidFill>
-                <a:latin typeface="Times"/>
-                <a:cs typeface="Times"/>
-              </a:rPr>
-              <a:t>Client</a:t>
-            </a:r>
-            <a:endParaRPr lang="en-US" sz="2000" dirty="0">
-              <a:solidFill>
-                <a:schemeClr val="tx1"/>
-              </a:solidFill>
-              <a:latin typeface="Times"/>
-              <a:cs typeface="Times"/>
-            </a:endParaRPr>
-          </a:p>
-        </p:txBody>
-      </p:sp>
-      <p:sp>
-        <p:nvSpPr>
           <p:cNvPr id="10" name="Rounded Rectangle 9"/>
           <p:cNvSpPr/>
           <p:nvPr/>
@@ -3431,14 +3373,14 @@
         <p:nvCxnSpPr>
           <p:cNvPr id="17" name="Straight Arrow Connector 16"/>
           <p:cNvCxnSpPr>
-            <a:stCxn id="7" idx="1"/>
+            <a:endCxn id="7" idx="1"/>
           </p:cNvCxnSpPr>
           <p:nvPr/>
         </p:nvCxnSpPr>
         <p:spPr>
-          <a:xfrm flipH="1">
-            <a:off x="2696559" y="1588056"/>
-            <a:ext cx="1176582" cy="976798"/>
+          <a:xfrm flipV="1">
+            <a:off x="2978757" y="1588056"/>
+            <a:ext cx="894384" cy="954997"/>
           </a:xfrm>
           <a:prstGeom prst="straightConnector1">
             <a:avLst/>
@@ -3569,14 +3511,14 @@
       </p:cxnSp>
       <p:sp>
         <p:nvSpPr>
-          <p:cNvPr id="30" name="TextBox 29"/>
+          <p:cNvPr id="31" name="TextBox 30"/>
           <p:cNvSpPr txBox="1"/>
           <p:nvPr/>
         </p:nvSpPr>
         <p:spPr>
           <a:xfrm>
-            <a:off x="3224423" y="2010521"/>
-            <a:ext cx="870626" cy="369332"/>
+            <a:off x="3714175" y="954046"/>
+            <a:ext cx="761747" cy="369332"/>
           </a:xfrm>
           <a:prstGeom prst="rect">
             <a:avLst/>
@@ -3591,36 +3533,6 @@
           <a:p>
             <a:r>
               <a:rPr lang="en-US" dirty="0" smtClean="0"/>
-              <a:t>creates</a:t>
-            </a:r>
-            <a:endParaRPr lang="en-US" dirty="0"/>
-          </a:p>
-        </p:txBody>
-      </p:sp>
-      <p:sp>
-        <p:nvSpPr>
-          <p:cNvPr id="31" name="TextBox 30"/>
-          <p:cNvSpPr txBox="1"/>
-          <p:nvPr/>
-        </p:nvSpPr>
-        <p:spPr>
-          <a:xfrm>
-            <a:off x="3714175" y="954046"/>
-            <a:ext cx="761747" cy="369332"/>
-          </a:xfrm>
-          <a:prstGeom prst="rect">
-            <a:avLst/>
-          </a:prstGeom>
-          <a:noFill/>
-        </p:spPr>
-        <p:txBody>
-          <a:bodyPr wrap="none" rtlCol="0">
-            <a:spAutoFit/>
-          </a:bodyPr>
-          <a:lstStyle/>
-          <a:p>
-            <a:r>
-              <a:rPr lang="en-US" dirty="0" smtClean="0"/>
               <a:t>stores</a:t>
             </a:r>
             <a:endParaRPr lang="en-US" dirty="0"/>
@@ -3630,15 +3542,13 @@
       <p:cxnSp>
         <p:nvCxnSpPr>
           <p:cNvPr id="33" name="Straight Arrow Connector 32"/>
-          <p:cNvCxnSpPr>
-            <a:endCxn id="9" idx="3"/>
-          </p:cNvCxnSpPr>
+          <p:cNvCxnSpPr/>
           <p:nvPr/>
         </p:nvCxnSpPr>
         <p:spPr>
           <a:xfrm flipH="1" flipV="1">
-            <a:off x="2272851" y="4833138"/>
-            <a:ext cx="1600290" cy="442724"/>
+            <a:off x="2430039" y="3144300"/>
+            <a:ext cx="1443102" cy="2131562"/>
           </a:xfrm>
           <a:prstGeom prst="straightConnector1">
             <a:avLst/>
@@ -3806,18 +3716,48 @@
           </a:fontRef>
         </p:style>
       </p:cxnSp>
+      <p:sp>
+        <p:nvSpPr>
+          <p:cNvPr id="50" name="TextBox 49"/>
+          <p:cNvSpPr txBox="1"/>
+          <p:nvPr/>
+        </p:nvSpPr>
+        <p:spPr>
+          <a:xfrm>
+            <a:off x="5649657" y="4224609"/>
+            <a:ext cx="1171227" cy="369332"/>
+          </a:xfrm>
+          <a:prstGeom prst="rect">
+            <a:avLst/>
+          </a:prstGeom>
+          <a:noFill/>
+        </p:spPr>
+        <p:txBody>
+          <a:bodyPr wrap="none" rtlCol="0">
+            <a:spAutoFit/>
+          </a:bodyPr>
+          <a:lstStyle/>
+          <a:p>
+            <a:r>
+              <a:rPr lang="en-US" dirty="0" smtClean="0"/>
+              <a:t>Belongs to</a:t>
+            </a:r>
+            <a:endParaRPr lang="en-US" dirty="0"/>
+          </a:p>
+        </p:txBody>
+      </p:sp>
       <p:cxnSp>
         <p:nvCxnSpPr>
-          <p:cNvPr id="49" name="Straight Arrow Connector 48"/>
+          <p:cNvPr id="52" name="Curved Connector 51"/>
           <p:cNvCxnSpPr/>
           <p:nvPr/>
         </p:nvCxnSpPr>
         <p:spPr>
-          <a:xfrm flipH="1">
-            <a:off x="1834287" y="3144300"/>
-            <a:ext cx="297877" cy="1382319"/>
-          </a:xfrm>
-          <a:prstGeom prst="straightConnector1">
+          <a:xfrm rot="5400000" flipH="1" flipV="1">
+            <a:off x="5034080" y="3201147"/>
+            <a:ext cx="1973513" cy="1859820"/>
+          </a:xfrm>
+          <a:prstGeom prst="curvedConnector3">
             <a:avLst/>
           </a:prstGeom>
           <a:ln>
@@ -3841,14 +3781,14 @@
       </p:cxnSp>
       <p:sp>
         <p:nvSpPr>
-          <p:cNvPr id="50" name="TextBox 49"/>
+          <p:cNvPr id="53" name="TextBox 52"/>
           <p:cNvSpPr txBox="1"/>
           <p:nvPr/>
         </p:nvSpPr>
         <p:spPr>
           <a:xfrm>
-            <a:off x="5649657" y="4224609"/>
-            <a:ext cx="1171227" cy="369332"/>
+            <a:off x="1726221" y="4211460"/>
+            <a:ext cx="1498202" cy="369332"/>
           </a:xfrm>
           <a:prstGeom prst="rect">
             <a:avLst/>
@@ -3863,55 +3803,22 @@
           <a:p>
             <a:r>
               <a:rPr lang="en-US" dirty="0" smtClean="0"/>
-              <a:t>Belongs to</a:t>
+              <a:t>Has an author</a:t>
             </a:r>
             <a:endParaRPr lang="en-US" dirty="0"/>
           </a:p>
         </p:txBody>
       </p:sp>
-      <p:cxnSp>
-        <p:nvCxnSpPr>
-          <p:cNvPr id="52" name="Curved Connector 51"/>
-          <p:cNvCxnSpPr/>
-          <p:nvPr/>
-        </p:nvCxnSpPr>
-        <p:spPr>
-          <a:xfrm rot="5400000" flipH="1" flipV="1">
-            <a:off x="5034080" y="3201147"/>
-            <a:ext cx="1973513" cy="1859820"/>
-          </a:xfrm>
-          <a:prstGeom prst="curvedConnector3">
-            <a:avLst/>
-          </a:prstGeom>
-          <a:ln>
-            <a:tailEnd type="arrow"/>
-          </a:ln>
-        </p:spPr>
-        <p:style>
-          <a:lnRef idx="2">
-            <a:schemeClr val="accent1"/>
-          </a:lnRef>
-          <a:fillRef idx="0">
-            <a:schemeClr val="accent1"/>
-          </a:fillRef>
-          <a:effectRef idx="1">
-            <a:schemeClr val="accent1"/>
-          </a:effectRef>
-          <a:fontRef idx="minor">
-            <a:schemeClr val="tx1"/>
-          </a:fontRef>
-        </p:style>
-      </p:cxnSp>
-      <p:sp>
-        <p:nvSpPr>
-          <p:cNvPr id="53" name="TextBox 52"/>
+      <p:sp>
+        <p:nvSpPr>
+          <p:cNvPr id="2" name="TextBox 1"/>
           <p:cNvSpPr txBox="1"/>
           <p:nvPr/>
         </p:nvSpPr>
         <p:spPr>
           <a:xfrm>
-            <a:off x="2272851" y="5162750"/>
-            <a:ext cx="1498202" cy="369332"/>
+            <a:off x="564517" y="2580534"/>
+            <a:ext cx="1122648" cy="1200329"/>
           </a:xfrm>
           <a:prstGeom prst="rect">
             <a:avLst/>
@@ -3926,7 +3833,25 @@
           <a:p>
             <a:r>
               <a:rPr lang="en-US" dirty="0" smtClean="0"/>
-              <a:t>Has an author</a:t>
+              <a:t>- Socket</a:t>
+            </a:r>
+          </a:p>
+          <a:p>
+            <a:r>
+              <a:rPr lang="en-US" dirty="0" smtClean="0"/>
+              <a:t>- Server</a:t>
+            </a:r>
+          </a:p>
+          <a:p>
+            <a:r>
+              <a:rPr lang="en-US" dirty="0" smtClean="0"/>
+              <a:t>- (String) </a:t>
+            </a:r>
+          </a:p>
+          <a:p>
+            <a:r>
+              <a:rPr lang="en-US" dirty="0" smtClean="0"/>
+              <a:t>username</a:t>
             </a:r>
             <a:endParaRPr lang="en-US" dirty="0"/>
           </a:p>
@@ -3934,14 +3859,14 @@
       </p:sp>
       <p:sp>
         <p:nvSpPr>
-          <p:cNvPr id="58" name="TextBox 57"/>
+          <p:cNvPr id="3" name="TextBox 2"/>
           <p:cNvSpPr txBox="1"/>
           <p:nvPr/>
         </p:nvSpPr>
         <p:spPr>
           <a:xfrm>
-            <a:off x="340293" y="3563382"/>
-            <a:ext cx="1493994" cy="661227"/>
+            <a:off x="4176863" y="1904652"/>
+            <a:ext cx="1531188" cy="369332"/>
           </a:xfrm>
           <a:prstGeom prst="rect">
             <a:avLst/>
@@ -3949,14 +3874,18 @@
           <a:noFill/>
         </p:spPr>
         <p:txBody>
-          <a:bodyPr wrap="square" rtlCol="0">
+          <a:bodyPr wrap="none" rtlCol="0">
             <a:spAutoFit/>
           </a:bodyPr>
           <a:lstStyle/>
           <a:p>
             <a:r>
               <a:rPr lang="en-US" dirty="0" smtClean="0"/>
-              <a:t>Responsible for an active</a:t>
+              <a:t>- </a:t>
+            </a:r>
+            <a:r>
+              <a:rPr lang="en-US" dirty="0" err="1" smtClean="0"/>
+              <a:t>ServerSocket</a:t>
             </a:r>
             <a:endParaRPr lang="en-US" dirty="0"/>
           </a:p>
@@ -3964,14 +3893,14 @@
       </p:sp>
       <p:sp>
         <p:nvSpPr>
-          <p:cNvPr id="2" name="TextBox 1"/>
+          <p:cNvPr id="28" name="TextBox 27"/>
           <p:cNvSpPr txBox="1"/>
           <p:nvPr/>
         </p:nvSpPr>
         <p:spPr>
           <a:xfrm>
-            <a:off x="564517" y="2580534"/>
-            <a:ext cx="930025" cy="646331"/>
+            <a:off x="4946304" y="2959634"/>
+            <a:ext cx="761747" cy="369332"/>
           </a:xfrm>
           <a:prstGeom prst="rect">
             <a:avLst/>
@@ -3986,13 +3915,7 @@
           <a:p>
             <a:r>
               <a:rPr lang="en-US" dirty="0" smtClean="0"/>
-              <a:t>- Socket</a:t>
-            </a:r>
-          </a:p>
-          <a:p>
-            <a:r>
-              <a:rPr lang="en-US" dirty="0" smtClean="0"/>
-              <a:t>- Server</a:t>
+              <a:t>stores</a:t>
             </a:r>
             <a:endParaRPr lang="en-US" dirty="0"/>
           </a:p>
@@ -4000,14 +3923,14 @@
       </p:sp>
       <p:sp>
         <p:nvSpPr>
-          <p:cNvPr id="3" name="TextBox 2"/>
+          <p:cNvPr id="5" name="TextBox 4"/>
           <p:cNvSpPr txBox="1"/>
           <p:nvPr/>
         </p:nvSpPr>
         <p:spPr>
           <a:xfrm>
-            <a:off x="4176863" y="1904652"/>
-            <a:ext cx="1531188" cy="369332"/>
+            <a:off x="7352268" y="2491318"/>
+            <a:ext cx="1420205" cy="646331"/>
           </a:xfrm>
           <a:prstGeom prst="rect">
             <a:avLst/>
@@ -4026,7 +3949,53 @@
             </a:r>
             <a:r>
               <a:rPr lang="en-US" dirty="0" err="1" smtClean="0"/>
-              <a:t>ServerSocket</a:t>
+              <a:t>int</a:t>
+            </a:r>
+            <a:r>
+              <a:rPr lang="en-US" dirty="0" smtClean="0"/>
+              <a:t> id</a:t>
+            </a:r>
+          </a:p>
+          <a:p>
+            <a:r>
+              <a:rPr lang="en-US" dirty="0" smtClean="0"/>
+              <a:t>- (String) title</a:t>
+            </a:r>
+            <a:endParaRPr lang="en-US" dirty="0"/>
+          </a:p>
+        </p:txBody>
+      </p:sp>
+      <p:sp>
+        <p:nvSpPr>
+          <p:cNvPr id="6" name="TextBox 5"/>
+          <p:cNvSpPr txBox="1"/>
+          <p:nvPr/>
+        </p:nvSpPr>
+        <p:spPr>
+          <a:xfrm>
+            <a:off x="3815972" y="5730850"/>
+            <a:ext cx="1415923" cy="646331"/>
+          </a:xfrm>
+          <a:prstGeom prst="rect">
+            <a:avLst/>
+          </a:prstGeom>
+          <a:noFill/>
+        </p:spPr>
+        <p:txBody>
+          <a:bodyPr wrap="none" rtlCol="0">
+            <a:spAutoFit/>
+          </a:bodyPr>
+          <a:lstStyle/>
+          <a:p>
+            <a:r>
+              <a:rPr lang="en-US" dirty="0" smtClean="0"/>
+              <a:t>- (String) text</a:t>
+            </a:r>
+          </a:p>
+          <a:p>
+            <a:r>
+              <a:rPr lang="en-US" dirty="0" smtClean="0"/>
+              <a:t>- Date date</a:t>
             </a:r>
             <a:endParaRPr lang="en-US" dirty="0"/>
           </a:p>

--- a/docs/Snapshot Diagram.pptx
+++ b/docs/Snapshot Diagram.pptx
@@ -3192,14 +3192,14 @@
           <a:p>
             <a:pPr algn="ctr"/>
             <a:r>
-              <a:rPr lang="en-US" sz="2000" dirty="0" err="1" smtClean="0">
+              <a:rPr lang="en-US" sz="2000" dirty="0" smtClean="0">
                 <a:solidFill>
                   <a:schemeClr val="tx1"/>
                 </a:solidFill>
                 <a:latin typeface="Times"/>
                 <a:cs typeface="Times"/>
               </a:rPr>
-              <a:t>UserConnection</a:t>
+              <a:t>User</a:t>
             </a:r>
             <a:endParaRPr lang="en-US" sz="2000" dirty="0">
               <a:solidFill>

--- a/docs/Snapshot Diagram.pptx
+++ b/docs/Snapshot Diagram.pptx
@@ -3930,7 +3930,7 @@
         <p:spPr>
           <a:xfrm>
             <a:off x="7352268" y="2491318"/>
-            <a:ext cx="1420205" cy="646331"/>
+            <a:ext cx="1420205" cy="369332"/>
           </a:xfrm>
           <a:prstGeom prst="rect">
             <a:avLst/>
@@ -3948,18 +3948,8 @@
               <a:t>- </a:t>
             </a:r>
             <a:r>
-              <a:rPr lang="en-US" dirty="0" err="1" smtClean="0"/>
-              <a:t>int</a:t>
-            </a:r>
-            <a:r>
               <a:rPr lang="en-US" dirty="0" smtClean="0"/>
-              <a:t> id</a:t>
-            </a:r>
-          </a:p>
-          <a:p>
-            <a:r>
-              <a:rPr lang="en-US" dirty="0" smtClean="0"/>
-              <a:t>- (String) title</a:t>
+              <a:t>(String) title</a:t>
             </a:r>
             <a:endParaRPr lang="en-US" dirty="0"/>
           </a:p>

--- a/docs/Snapshot Diagram.pptx
+++ b/docs/Snapshot Diagram.pptx
@@ -3817,8 +3817,8 @@
         </p:nvSpPr>
         <p:spPr>
           <a:xfrm>
-            <a:off x="564517" y="2580534"/>
-            <a:ext cx="1122648" cy="1200329"/>
+            <a:off x="266520" y="2580534"/>
+            <a:ext cx="1420645" cy="1200329"/>
           </a:xfrm>
           <a:prstGeom prst="rect">
             <a:avLst/>
@@ -3826,21 +3826,35 @@
           <a:noFill/>
         </p:spPr>
         <p:txBody>
-          <a:bodyPr wrap="none" rtlCol="0">
+          <a:bodyPr wrap="square" rtlCol="0">
             <a:spAutoFit/>
           </a:bodyPr>
           <a:lstStyle/>
           <a:p>
             <a:r>
               <a:rPr lang="en-US" dirty="0" smtClean="0"/>
-              <a:t>- Socket</a:t>
-            </a:r>
-          </a:p>
-          <a:p>
+              <a:t>- </a:t>
+            </a:r>
             <a:r>
               <a:rPr lang="en-US" dirty="0" smtClean="0"/>
-              <a:t>- Server</a:t>
-            </a:r>
+              <a:t>Socket sock</a:t>
+            </a:r>
+            <a:endParaRPr lang="en-US" dirty="0" smtClean="0"/>
+          </a:p>
+          <a:p>
+            <a:r>
+              <a:rPr lang="en-US" dirty="0" smtClean="0"/>
+              <a:t>- </a:t>
+            </a:r>
+            <a:r>
+              <a:rPr lang="en-US" dirty="0" smtClean="0"/>
+              <a:t>Server </a:t>
+            </a:r>
+            <a:r>
+              <a:rPr lang="en-US" dirty="0" err="1" smtClean="0"/>
+              <a:t>serv</a:t>
+            </a:r>
+            <a:endParaRPr lang="en-US" dirty="0" smtClean="0"/>
           </a:p>
           <a:p>
             <a:r>
@@ -3851,7 +3865,7 @@
           <a:p>
             <a:r>
               <a:rPr lang="en-US" dirty="0" smtClean="0"/>
-              <a:t>username</a:t>
+              <a:t>nickname</a:t>
             </a:r>
             <a:endParaRPr lang="en-US" dirty="0"/>
           </a:p>
@@ -3865,8 +3879,8 @@
         </p:nvSpPr>
         <p:spPr>
           <a:xfrm>
-            <a:off x="4176863" y="1904652"/>
-            <a:ext cx="1531188" cy="369332"/>
+            <a:off x="4006735" y="1904652"/>
+            <a:ext cx="2168382" cy="369332"/>
           </a:xfrm>
           <a:prstGeom prst="rect">
             <a:avLst/>
@@ -3887,6 +3901,10 @@
               <a:rPr lang="en-US" dirty="0" err="1" smtClean="0"/>
               <a:t>ServerSocket</a:t>
             </a:r>
+            <a:r>
+              <a:rPr lang="en-US" dirty="0" smtClean="0"/>
+              <a:t> server</a:t>
+            </a:r>
             <a:endParaRPr lang="en-US" dirty="0"/>
           </a:p>
         </p:txBody>
@@ -3945,11 +3963,7 @@
           <a:p>
             <a:r>
               <a:rPr lang="en-US" dirty="0" smtClean="0"/>
-              <a:t>- </a:t>
-            </a:r>
-            <a:r>
-              <a:rPr lang="en-US" dirty="0" smtClean="0"/>
-              <a:t>(String) title</a:t>
+              <a:t>- (String) title</a:t>
             </a:r>
             <a:endParaRPr lang="en-US" dirty="0"/>
           </a:p>
@@ -3964,7 +3978,7 @@
         <p:spPr>
           <a:xfrm>
             <a:off x="3815972" y="5730850"/>
-            <a:ext cx="1415923" cy="646331"/>
+            <a:ext cx="1777838" cy="646331"/>
           </a:xfrm>
           <a:prstGeom prst="rect">
             <a:avLst/>
@@ -3979,8 +3993,13 @@
           <a:p>
             <a:r>
               <a:rPr lang="en-US" dirty="0" smtClean="0"/>
-              <a:t>- (String) text</a:t>
-            </a:r>
+              <a:t>- (String) </a:t>
+            </a:r>
+            <a:r>
+              <a:rPr lang="en-US" dirty="0" smtClean="0"/>
+              <a:t>content</a:t>
+            </a:r>
+            <a:endParaRPr lang="en-US" dirty="0" smtClean="0"/>
           </a:p>
           <a:p>
             <a:r>
